--- a/Medicine/NewME.pptx
+++ b/Medicine/NewME.pptx
@@ -66,15 +66,15 @@
       <p:bold r:id="rId52"/>
     </p:embeddedFont>
     <p:embeddedFont>
-      <p:font typeface="Calibri" panose="020F0502020204030204" pitchFamily="34" charset="0"/>
+      <p:font typeface="Britannic Bold" panose="020B0903060703020204" pitchFamily="34" charset="0"/>
       <p:regular r:id="rId53"/>
-      <p:bold r:id="rId54"/>
-      <p:italic r:id="rId55"/>
-      <p:boldItalic r:id="rId56"/>
     </p:embeddedFont>
     <p:embeddedFont>
-      <p:font typeface="Britannic Bold" panose="020B0903060703020204" pitchFamily="34" charset="0"/>
-      <p:regular r:id="rId57"/>
+      <p:font typeface="Calibri" panose="020F0502020204030204" pitchFamily="34" charset="0"/>
+      <p:regular r:id="rId54"/>
+      <p:bold r:id="rId55"/>
+      <p:italic r:id="rId56"/>
+      <p:boldItalic r:id="rId57"/>
     </p:embeddedFont>
     <p:embeddedFont>
       <p:font typeface="Gulim" panose="020B0600000101010101" pitchFamily="34" charset="-127"/>
@@ -12062,14 +12062,14 @@
       </p:sp>
       <p:sp>
         <p:nvSpPr>
-          <p:cNvPr id="2" name="Rectangle 1"/>
+          <p:cNvPr id="3" name="Rectangle 2"/>
           <p:cNvSpPr/>
           <p:nvPr/>
         </p:nvSpPr>
         <p:spPr>
           <a:xfrm>
-            <a:off x="1104680" y="1325714"/>
-            <a:ext cx="5529848" cy="1569660"/>
+            <a:off x="1319890" y="1268760"/>
+            <a:ext cx="4596515" cy="1323439"/>
           </a:xfrm>
           <a:prstGeom prst="rect">
             <a:avLst/>
@@ -12084,47 +12084,37 @@
           <a:p>
             <a:pPr algn="ctr"/>
             <a:r>
-              <a:rPr lang="en-US" altLang="zh-TW" sz="9600" b="1" spc="50" dirty="0" smtClean="0">
-                <a:ln w="9525" cmpd="sng">
+              <a:rPr lang="en-US" altLang="zh-TW" sz="8000" b="1" cap="none" spc="0" dirty="0" smtClean="0">
+                <a:ln w="22225">
                   <a:solidFill>
-                    <a:schemeClr val="accent1"/>
+                    <a:schemeClr val="accent2"/>
                   </a:solidFill>
                   <a:prstDash val="solid"/>
                 </a:ln>
                 <a:solidFill>
-                  <a:srgbClr val="70AD47">
-                    <a:tint val="1000"/>
-                  </a:srgbClr>
+                  <a:schemeClr val="accent2">
+                    <a:lumMod val="40000"/>
+                    <a:lumOff val="60000"/>
+                  </a:schemeClr>
                 </a:solidFill>
-                <a:effectLst>
-                  <a:glow rad="38100">
-                    <a:schemeClr val="accent1">
-                      <a:alpha val="40000"/>
-                    </a:schemeClr>
-                  </a:glow>
-                </a:effectLst>
+                <a:effectLst/>
               </a:rPr>
               <a:t>Nowadays</a:t>
             </a:r>
-            <a:endParaRPr lang="en-US" altLang="zh-TW" sz="9600" b="1" cap="none" spc="50" dirty="0">
-              <a:ln w="9525" cmpd="sng">
+            <a:endParaRPr lang="en-US" altLang="zh-TW" sz="8000" b="1" cap="none" spc="0" dirty="0">
+              <a:ln w="22225">
                 <a:solidFill>
-                  <a:schemeClr val="accent1"/>
+                  <a:schemeClr val="accent2"/>
                 </a:solidFill>
                 <a:prstDash val="solid"/>
               </a:ln>
               <a:solidFill>
-                <a:srgbClr val="70AD47">
-                  <a:tint val="1000"/>
-                </a:srgbClr>
+                <a:schemeClr val="accent2">
+                  <a:lumMod val="40000"/>
+                  <a:lumOff val="60000"/>
+                </a:schemeClr>
               </a:solidFill>
-              <a:effectLst>
-                <a:glow rad="38100">
-                  <a:schemeClr val="accent1">
-                    <a:alpha val="40000"/>
-                  </a:schemeClr>
-                </a:glow>
-              </a:effectLst>
+              <a:effectLst/>
             </a:endParaRPr>
           </a:p>
         </p:txBody>
@@ -13683,14 +13673,14 @@
       </p:sp>
       <p:sp>
         <p:nvSpPr>
-          <p:cNvPr id="2" name="Rectangle 1"/>
+          <p:cNvPr id="3" name="Rectangle 2"/>
           <p:cNvSpPr/>
           <p:nvPr/>
         </p:nvSpPr>
         <p:spPr>
           <a:xfrm>
-            <a:off x="1146607" y="948784"/>
-            <a:ext cx="7355861" cy="3139321"/>
+            <a:off x="827584" y="552263"/>
+            <a:ext cx="7450630" cy="3416320"/>
           </a:xfrm>
           <a:prstGeom prst="rect">
             <a:avLst/>
@@ -13705,122 +13695,79 @@
           <a:p>
             <a:pPr algn="ctr"/>
             <a:r>
-              <a:rPr lang="en-US" altLang="zh-TW" sz="6600" b="1" spc="50" dirty="0" smtClean="0">
-                <a:ln w="9525" cmpd="sng">
+              <a:rPr lang="en-US" altLang="zh-TW" sz="7200" b="1" cap="none" spc="0" dirty="0" smtClean="0">
+                <a:ln w="22225">
                   <a:solidFill>
-                    <a:schemeClr val="accent1"/>
+                    <a:schemeClr val="accent2"/>
                   </a:solidFill>
                   <a:prstDash val="solid"/>
                 </a:ln>
                 <a:solidFill>
-                  <a:srgbClr val="70AD47">
-                    <a:tint val="1000"/>
-                  </a:srgbClr>
+                  <a:schemeClr val="accent2">
+                    <a:lumMod val="40000"/>
+                    <a:lumOff val="60000"/>
+                  </a:schemeClr>
                 </a:solidFill>
-                <a:effectLst>
-                  <a:glow rad="38100">
-                    <a:schemeClr val="accent1">
-                      <a:alpha val="40000"/>
-                    </a:schemeClr>
-                  </a:glow>
-                </a:effectLst>
+                <a:effectLst/>
               </a:rPr>
-              <a:t>How to Hasten the </a:t>
+              <a:t>How to hasten the </a:t>
             </a:r>
           </a:p>
           <a:p>
             <a:pPr algn="ctr"/>
             <a:r>
-              <a:rPr lang="en-US" altLang="zh-TW" sz="6600" b="1" spc="50" dirty="0" err="1" smtClean="0">
-                <a:ln w="9525" cmpd="sng">
+              <a:rPr lang="en-US" altLang="zh-TW" sz="7200" b="1" cap="none" spc="0" dirty="0" smtClean="0">
+                <a:ln w="22225">
                   <a:solidFill>
-                    <a:schemeClr val="accent1"/>
+                    <a:schemeClr val="accent2"/>
                   </a:solidFill>
                   <a:prstDash val="solid"/>
                 </a:ln>
                 <a:solidFill>
-                  <a:srgbClr val="70AD47">
-                    <a:tint val="1000"/>
-                  </a:srgbClr>
+                  <a:schemeClr val="accent2">
+                    <a:lumMod val="40000"/>
+                    <a:lumOff val="60000"/>
+                  </a:schemeClr>
                 </a:solidFill>
-                <a:effectLst>
-                  <a:glow rad="38100">
-                    <a:schemeClr val="accent1">
-                      <a:alpha val="40000"/>
-                    </a:schemeClr>
-                  </a:glow>
-                </a:effectLst>
+                <a:effectLst/>
               </a:rPr>
-              <a:t>Antivaccinationists</a:t>
-            </a:r>
-            <a:r>
-              <a:rPr lang="en-US" altLang="zh-TW" sz="6600" b="1" spc="50" dirty="0" smtClean="0">
-                <a:ln w="9525" cmpd="sng">
+              <a:t>funeral of the </a:t>
+            </a:r>
+          </a:p>
+          <a:p>
+            <a:pPr algn="ctr"/>
+            <a:r>
+              <a:rPr lang="en-US" altLang="zh-TW" sz="7200" b="1" cap="none" spc="0" dirty="0" err="1" smtClean="0">
+                <a:ln w="22225">
                   <a:solidFill>
-                    <a:schemeClr val="accent1"/>
+                    <a:schemeClr val="accent2"/>
                   </a:solidFill>
                   <a:prstDash val="solid"/>
                 </a:ln>
                 <a:solidFill>
-                  <a:srgbClr val="70AD47">
-                    <a:tint val="1000"/>
-                  </a:srgbClr>
+                  <a:schemeClr val="accent2">
+                    <a:lumMod val="40000"/>
+                    <a:lumOff val="60000"/>
+                  </a:schemeClr>
                 </a:solidFill>
-                <a:effectLst>
-                  <a:glow rad="38100">
-                    <a:schemeClr val="accent1">
-                      <a:alpha val="40000"/>
-                    </a:schemeClr>
-                  </a:glow>
-                </a:effectLst>
+                <a:effectLst/>
               </a:rPr>
-              <a:t>’ </a:t>
-            </a:r>
-          </a:p>
-          <a:p>
-            <a:pPr algn="ctr"/>
-            <a:r>
-              <a:rPr lang="en-US" altLang="zh-TW" sz="6600" b="1" spc="50" dirty="0" smtClean="0">
-                <a:ln w="9525" cmpd="sng">
-                  <a:solidFill>
-                    <a:schemeClr val="accent1"/>
-                  </a:solidFill>
-                  <a:prstDash val="solid"/>
-                </a:ln>
+              <a:t>Antivaccinationists</a:t>
+            </a:r>
+            <a:endParaRPr lang="en-US" altLang="zh-TW" sz="7200" b="1" cap="none" spc="0" dirty="0">
+              <a:ln w="22225">
                 <a:solidFill>
-                  <a:srgbClr val="70AD47">
-                    <a:tint val="1000"/>
-                  </a:srgbClr>
-                </a:solidFill>
-                <a:effectLst>
-                  <a:glow rad="38100">
-                    <a:schemeClr val="accent1">
-                      <a:alpha val="40000"/>
-                    </a:schemeClr>
-                  </a:glow>
-                </a:effectLst>
-              </a:rPr>
-              <a:t>Funeral ?</a:t>
-            </a:r>
-            <a:endParaRPr lang="en-US" altLang="zh-TW" sz="6600" b="1" cap="none" spc="50" dirty="0">
-              <a:ln w="9525" cmpd="sng">
-                <a:solidFill>
-                  <a:schemeClr val="accent1"/>
+                  <a:schemeClr val="accent2"/>
                 </a:solidFill>
                 <a:prstDash val="solid"/>
               </a:ln>
               <a:solidFill>
-                <a:srgbClr val="70AD47">
-                  <a:tint val="1000"/>
-                </a:srgbClr>
+                <a:schemeClr val="accent2">
+                  <a:lumMod val="40000"/>
+                  <a:lumOff val="60000"/>
+                </a:schemeClr>
               </a:solidFill>
-              <a:effectLst>
-                <a:glow rad="38100">
-                  <a:schemeClr val="accent1">
-                    <a:alpha val="40000"/>
-                  </a:schemeClr>
-                </a:glow>
-              </a:effectLst>
+              <a:effectLst/>
             </a:endParaRPr>
           </a:p>
         </p:txBody>
@@ -16769,14 +16716,14 @@
       </p:sp>
       <p:sp>
         <p:nvSpPr>
-          <p:cNvPr id="2" name="Rectangle 1"/>
+          <p:cNvPr id="3" name="Rectangle 2"/>
           <p:cNvSpPr/>
           <p:nvPr/>
         </p:nvSpPr>
         <p:spPr>
           <a:xfrm>
-            <a:off x="960797" y="1325714"/>
-            <a:ext cx="5817619" cy="1569660"/>
+            <a:off x="1300914" y="1448824"/>
+            <a:ext cx="4822154" cy="1323439"/>
           </a:xfrm>
           <a:prstGeom prst="rect">
             <a:avLst/>
@@ -16791,47 +16738,37 @@
           <a:p>
             <a:pPr algn="ctr"/>
             <a:r>
-              <a:rPr lang="en-US" altLang="zh-TW" sz="9600" b="1" spc="50" dirty="0" smtClean="0">
-                <a:ln w="9525" cmpd="sng">
+              <a:rPr lang="en-US" altLang="zh-TW" sz="8000" b="1" cap="none" spc="0" dirty="0" smtClean="0">
+                <a:ln w="22225">
                   <a:solidFill>
-                    <a:schemeClr val="accent1"/>
+                    <a:schemeClr val="accent2"/>
                   </a:solidFill>
                   <a:prstDash val="solid"/>
                 </a:ln>
                 <a:solidFill>
-                  <a:srgbClr val="70AD47">
-                    <a:tint val="1000"/>
-                  </a:srgbClr>
+                  <a:schemeClr val="accent2">
+                    <a:lumMod val="40000"/>
+                    <a:lumOff val="60000"/>
+                  </a:schemeClr>
                 </a:solidFill>
-                <a:effectLst>
-                  <a:glow rad="38100">
-                    <a:schemeClr val="accent1">
-                      <a:alpha val="40000"/>
-                    </a:schemeClr>
-                  </a:glow>
-                </a:effectLst>
+                <a:effectLst/>
               </a:rPr>
               <a:t>Conclusion</a:t>
             </a:r>
-            <a:endParaRPr lang="en-US" altLang="zh-TW" sz="9600" b="1" cap="none" spc="50" dirty="0">
-              <a:ln w="9525" cmpd="sng">
+            <a:endParaRPr lang="en-US" altLang="zh-TW" sz="8000" b="1" cap="none" spc="0" dirty="0">
+              <a:ln w="22225">
                 <a:solidFill>
-                  <a:schemeClr val="accent1"/>
+                  <a:schemeClr val="accent2"/>
                 </a:solidFill>
                 <a:prstDash val="solid"/>
               </a:ln>
               <a:solidFill>
-                <a:srgbClr val="70AD47">
-                  <a:tint val="1000"/>
-                </a:srgbClr>
+                <a:schemeClr val="accent2">
+                  <a:lumMod val="40000"/>
+                  <a:lumOff val="60000"/>
+                </a:schemeClr>
               </a:solidFill>
-              <a:effectLst>
-                <a:glow rad="38100">
-                  <a:schemeClr val="accent1">
-                    <a:alpha val="40000"/>
-                  </a:schemeClr>
-                </a:glow>
-              </a:effectLst>
+              <a:effectLst/>
             </a:endParaRPr>
           </a:p>
         </p:txBody>
@@ -17713,14 +17650,14 @@
       </p:sp>
       <p:sp>
         <p:nvSpPr>
-          <p:cNvPr id="2" name="Rectangle 1"/>
+          <p:cNvPr id="3" name="Rectangle 2"/>
           <p:cNvSpPr/>
           <p:nvPr/>
         </p:nvSpPr>
         <p:spPr>
           <a:xfrm>
-            <a:off x="1191662" y="1325714"/>
-            <a:ext cx="5355890" cy="1569660"/>
+            <a:off x="1691680" y="1448824"/>
+            <a:ext cx="4444679" cy="1323439"/>
           </a:xfrm>
           <a:prstGeom prst="rect">
             <a:avLst/>
@@ -17735,47 +17672,37 @@
           <a:p>
             <a:pPr algn="ctr"/>
             <a:r>
-              <a:rPr lang="en-US" altLang="zh-TW" sz="9600" b="1" spc="50" dirty="0" smtClean="0">
-                <a:ln w="9525" cmpd="sng">
+              <a:rPr lang="en-US" altLang="zh-TW" sz="8000" b="1" cap="none" spc="0" dirty="0" smtClean="0">
+                <a:ln w="22225">
                   <a:solidFill>
-                    <a:schemeClr val="accent1"/>
+                    <a:schemeClr val="accent2"/>
                   </a:solidFill>
                   <a:prstDash val="solid"/>
                 </a:ln>
                 <a:solidFill>
-                  <a:srgbClr val="70AD47">
-                    <a:tint val="1000"/>
-                  </a:srgbClr>
+                  <a:schemeClr val="accent2">
+                    <a:lumMod val="40000"/>
+                    <a:lumOff val="60000"/>
+                  </a:schemeClr>
                 </a:solidFill>
-                <a:effectLst>
-                  <a:glow rad="38100">
-                    <a:schemeClr val="accent1">
-                      <a:alpha val="40000"/>
-                    </a:schemeClr>
-                  </a:glow>
-                </a:effectLst>
+                <a:effectLst/>
               </a:rPr>
               <a:t>Reference</a:t>
             </a:r>
-            <a:endParaRPr lang="en-US" altLang="zh-TW" sz="9600" b="1" cap="none" spc="50" dirty="0">
-              <a:ln w="9525" cmpd="sng">
+            <a:endParaRPr lang="en-US" altLang="zh-TW" sz="8000" b="1" cap="none" spc="0" dirty="0">
+              <a:ln w="22225">
                 <a:solidFill>
-                  <a:schemeClr val="accent1"/>
+                  <a:schemeClr val="accent2"/>
                 </a:solidFill>
                 <a:prstDash val="solid"/>
               </a:ln>
               <a:solidFill>
-                <a:srgbClr val="70AD47">
-                  <a:tint val="1000"/>
-                </a:srgbClr>
+                <a:schemeClr val="accent2">
+                  <a:lumMod val="40000"/>
+                  <a:lumOff val="60000"/>
+                </a:schemeClr>
               </a:solidFill>
-              <a:effectLst>
-                <a:glow rad="38100">
-                  <a:schemeClr val="accent1">
-                    <a:alpha val="40000"/>
-                  </a:schemeClr>
-                </a:glow>
-              </a:effectLst>
+              <a:effectLst/>
             </a:endParaRPr>
           </a:p>
         </p:txBody>
@@ -19781,14 +19708,14 @@
       </p:sp>
       <p:sp>
         <p:nvSpPr>
-          <p:cNvPr id="2" name="Rectangle 1"/>
+          <p:cNvPr id="3" name="Rectangle 2"/>
           <p:cNvSpPr/>
           <p:nvPr/>
         </p:nvSpPr>
         <p:spPr>
           <a:xfrm>
-            <a:off x="827584" y="1325714"/>
-            <a:ext cx="6084038" cy="1569660"/>
+            <a:off x="827585" y="1556792"/>
+            <a:ext cx="5476494" cy="1323439"/>
           </a:xfrm>
           <a:prstGeom prst="rect">
             <a:avLst/>
@@ -19796,54 +19723,44 @@
           <a:noFill/>
         </p:spPr>
         <p:txBody>
-          <a:bodyPr wrap="none" lIns="91440" tIns="45720" rIns="91440" bIns="45720">
+          <a:bodyPr wrap="square" lIns="91440" tIns="45720" rIns="91440" bIns="45720">
             <a:spAutoFit/>
           </a:bodyPr>
           <a:lstStyle/>
           <a:p>
             <a:pPr algn="ctr"/>
             <a:r>
-              <a:rPr lang="en-US" altLang="zh-TW" sz="9600" b="1" cap="none" spc="50" dirty="0" smtClean="0">
-                <a:ln w="9525" cmpd="sng">
+              <a:rPr lang="en-US" altLang="zh-TW" sz="8000" b="1" cap="none" spc="0" dirty="0" smtClean="0">
+                <a:ln w="22225">
                   <a:solidFill>
-                    <a:schemeClr val="accent1"/>
+                    <a:schemeClr val="accent2"/>
                   </a:solidFill>
                   <a:prstDash val="solid"/>
                 </a:ln>
                 <a:solidFill>
-                  <a:srgbClr val="70AD47">
-                    <a:tint val="1000"/>
-                  </a:srgbClr>
+                  <a:schemeClr val="accent2">
+                    <a:lumMod val="40000"/>
+                    <a:lumOff val="60000"/>
+                  </a:schemeClr>
                 </a:solidFill>
-                <a:effectLst>
-                  <a:glow rad="38100">
-                    <a:schemeClr val="accent1">
-                      <a:alpha val="40000"/>
-                    </a:schemeClr>
-                  </a:glow>
-                </a:effectLst>
+                <a:effectLst/>
               </a:rPr>
               <a:t>The History</a:t>
             </a:r>
-            <a:endParaRPr lang="en-US" altLang="zh-TW" sz="9600" b="1" cap="none" spc="50" dirty="0">
-              <a:ln w="9525" cmpd="sng">
+            <a:endParaRPr lang="en-US" altLang="zh-TW" sz="8000" b="1" cap="none" spc="0" dirty="0">
+              <a:ln w="22225">
                 <a:solidFill>
-                  <a:schemeClr val="accent1"/>
+                  <a:schemeClr val="accent2"/>
                 </a:solidFill>
                 <a:prstDash val="solid"/>
               </a:ln>
               <a:solidFill>
-                <a:srgbClr val="70AD47">
-                  <a:tint val="1000"/>
-                </a:srgbClr>
+                <a:schemeClr val="accent2">
+                  <a:lumMod val="40000"/>
+                  <a:lumOff val="60000"/>
+                </a:schemeClr>
               </a:solidFill>
-              <a:effectLst>
-                <a:glow rad="38100">
-                  <a:schemeClr val="accent1">
-                    <a:alpha val="40000"/>
-                  </a:schemeClr>
-                </a:glow>
-              </a:effectLst>
+              <a:effectLst/>
             </a:endParaRPr>
           </a:p>
         </p:txBody>
